--- a/docs/設計資料/01_画面/use_case_diagram.pptx
+++ b/docs/設計資料/01_画面/use_case_diagram.pptx
@@ -648,7 +648,7 @@
           <a:p>
             <a:fld id="{596DE46F-E6F5-4014-9C0D-231142EDA3E6}" type="datetimeFigureOut">
               <a:rPr kumimoji="1" lang="ja-JP" altLang="en-US" smtClean="0"/>
-              <a:t>2021/10/21</a:t>
+              <a:t>2021/10/25</a:t>
             </a:fld>
             <a:endParaRPr kumimoji="1" lang="ja-JP" altLang="en-US"/>
           </a:p>
@@ -878,7 +878,7 @@
           <a:p>
             <a:fld id="{596DE46F-E6F5-4014-9C0D-231142EDA3E6}" type="datetimeFigureOut">
               <a:rPr kumimoji="1" lang="ja-JP" altLang="en-US" smtClean="0"/>
-              <a:t>2021/10/21</a:t>
+              <a:t>2021/10/25</a:t>
             </a:fld>
             <a:endParaRPr kumimoji="1" lang="ja-JP" altLang="en-US"/>
           </a:p>
@@ -1118,7 +1118,7 @@
           <a:p>
             <a:fld id="{596DE46F-E6F5-4014-9C0D-231142EDA3E6}" type="datetimeFigureOut">
               <a:rPr kumimoji="1" lang="ja-JP" altLang="en-US" smtClean="0"/>
-              <a:t>2021/10/21</a:t>
+              <a:t>2021/10/25</a:t>
             </a:fld>
             <a:endParaRPr kumimoji="1" lang="ja-JP" altLang="en-US"/>
           </a:p>
@@ -1348,7 +1348,7 @@
           <a:p>
             <a:fld id="{596DE46F-E6F5-4014-9C0D-231142EDA3E6}" type="datetimeFigureOut">
               <a:rPr kumimoji="1" lang="ja-JP" altLang="en-US" smtClean="0"/>
-              <a:t>2021/10/21</a:t>
+              <a:t>2021/10/25</a:t>
             </a:fld>
             <a:endParaRPr kumimoji="1" lang="ja-JP" altLang="en-US"/>
           </a:p>
@@ -1623,7 +1623,7 @@
           <a:p>
             <a:fld id="{596DE46F-E6F5-4014-9C0D-231142EDA3E6}" type="datetimeFigureOut">
               <a:rPr kumimoji="1" lang="ja-JP" altLang="en-US" smtClean="0"/>
-              <a:t>2021/10/21</a:t>
+              <a:t>2021/10/25</a:t>
             </a:fld>
             <a:endParaRPr kumimoji="1" lang="ja-JP" altLang="en-US"/>
           </a:p>
@@ -1952,7 +1952,7 @@
           <a:p>
             <a:fld id="{596DE46F-E6F5-4014-9C0D-231142EDA3E6}" type="datetimeFigureOut">
               <a:rPr kumimoji="1" lang="ja-JP" altLang="en-US" smtClean="0"/>
-              <a:t>2021/10/21</a:t>
+              <a:t>2021/10/25</a:t>
             </a:fld>
             <a:endParaRPr kumimoji="1" lang="ja-JP" altLang="en-US"/>
           </a:p>
@@ -2428,7 +2428,7 @@
           <a:p>
             <a:fld id="{596DE46F-E6F5-4014-9C0D-231142EDA3E6}" type="datetimeFigureOut">
               <a:rPr kumimoji="1" lang="ja-JP" altLang="en-US" smtClean="0"/>
-              <a:t>2021/10/21</a:t>
+              <a:t>2021/10/25</a:t>
             </a:fld>
             <a:endParaRPr kumimoji="1" lang="ja-JP" altLang="en-US"/>
           </a:p>
@@ -2569,7 +2569,7 @@
           <a:p>
             <a:fld id="{596DE46F-E6F5-4014-9C0D-231142EDA3E6}" type="datetimeFigureOut">
               <a:rPr kumimoji="1" lang="ja-JP" altLang="en-US" smtClean="0"/>
-              <a:t>2021/10/21</a:t>
+              <a:t>2021/10/25</a:t>
             </a:fld>
             <a:endParaRPr kumimoji="1" lang="ja-JP" altLang="en-US"/>
           </a:p>
@@ -2682,7 +2682,7 @@
           <a:p>
             <a:fld id="{596DE46F-E6F5-4014-9C0D-231142EDA3E6}" type="datetimeFigureOut">
               <a:rPr kumimoji="1" lang="ja-JP" altLang="en-US" smtClean="0"/>
-              <a:t>2021/10/21</a:t>
+              <a:t>2021/10/25</a:t>
             </a:fld>
             <a:endParaRPr kumimoji="1" lang="ja-JP" altLang="en-US"/>
           </a:p>
@@ -3025,7 +3025,7 @@
           <a:p>
             <a:fld id="{596DE46F-E6F5-4014-9C0D-231142EDA3E6}" type="datetimeFigureOut">
               <a:rPr kumimoji="1" lang="ja-JP" altLang="en-US" smtClean="0"/>
-              <a:t>2021/10/21</a:t>
+              <a:t>2021/10/25</a:t>
             </a:fld>
             <a:endParaRPr kumimoji="1" lang="ja-JP" altLang="en-US"/>
           </a:p>
@@ -3313,7 +3313,7 @@
           <a:p>
             <a:fld id="{596DE46F-E6F5-4014-9C0D-231142EDA3E6}" type="datetimeFigureOut">
               <a:rPr kumimoji="1" lang="ja-JP" altLang="en-US" smtClean="0"/>
-              <a:t>2021/10/21</a:t>
+              <a:t>2021/10/25</a:t>
             </a:fld>
             <a:endParaRPr kumimoji="1" lang="ja-JP" altLang="en-US"/>
           </a:p>
@@ -3586,7 +3586,7 @@
           <a:p>
             <a:fld id="{596DE46F-E6F5-4014-9C0D-231142EDA3E6}" type="datetimeFigureOut">
               <a:rPr kumimoji="1" lang="ja-JP" altLang="en-US" smtClean="0"/>
-              <a:t>2021/10/21</a:t>
+              <a:t>2021/10/25</a:t>
             </a:fld>
             <a:endParaRPr kumimoji="1" lang="ja-JP" altLang="en-US"/>
           </a:p>
@@ -4017,7 +4017,7 @@
         </p:nvSpPr>
         <p:spPr>
           <a:xfrm>
-            <a:off x="2785145" y="360726"/>
+            <a:off x="2785145" y="120256"/>
             <a:ext cx="1694576" cy="511728"/>
           </a:xfrm>
           <a:prstGeom prst="ellipse">
@@ -4060,8 +4060,21 @@
                 <a:ea typeface="M+ 1c light" panose="020B0403020204020204" pitchFamily="50" charset="-128"/>
                 <a:cs typeface="M+ 1c light" panose="020B0403020204020204" pitchFamily="50" charset="-128"/>
               </a:rPr>
-              <a:t>新規申請</a:t>
-            </a:r>
+              <a:t>新規</a:t>
+            </a:r>
+            <a:r>
+              <a:rPr lang="ja-JP" altLang="en-US" sz="1200" dirty="0">
+                <a:latin typeface="M+ 1c light" panose="020B0403020204020204" pitchFamily="50" charset="-128"/>
+                <a:ea typeface="M+ 1c light" panose="020B0403020204020204" pitchFamily="50" charset="-128"/>
+                <a:cs typeface="M+ 1c light" panose="020B0403020204020204" pitchFamily="50" charset="-128"/>
+              </a:rPr>
+              <a:t>下書き</a:t>
+            </a:r>
+            <a:endParaRPr kumimoji="1" lang="ja-JP" altLang="en-US" sz="1200" dirty="0">
+              <a:latin typeface="M+ 1c light" panose="020B0403020204020204" pitchFamily="50" charset="-128"/>
+              <a:ea typeface="M+ 1c light" panose="020B0403020204020204" pitchFamily="50" charset="-128"/>
+              <a:cs typeface="M+ 1c light" panose="020B0403020204020204" pitchFamily="50" charset="-128"/>
+            </a:endParaRPr>
           </a:p>
         </p:txBody>
       </p:sp>
@@ -4079,7 +4092,7 @@
         </p:nvSpPr>
         <p:spPr>
           <a:xfrm>
-            <a:off x="2785145" y="1226190"/>
+            <a:off x="2785145" y="852828"/>
             <a:ext cx="1694576" cy="511728"/>
           </a:xfrm>
           <a:prstGeom prst="ellipse">
@@ -4122,7 +4135,7 @@
                 <a:ea typeface="M+ 1c light" panose="020B0403020204020204" pitchFamily="50" charset="-128"/>
                 <a:cs typeface="M+ 1c light" panose="020B0403020204020204" pitchFamily="50" charset="-128"/>
               </a:rPr>
-              <a:t>新規下書き</a:t>
+              <a:t>新規申請</a:t>
             </a:r>
           </a:p>
         </p:txBody>
@@ -4173,7 +4186,7 @@
                 <a:ea typeface="M+ 1c light" panose="020B0403020204020204" pitchFamily="50" charset="-128"/>
                 <a:cs typeface="M+ 1c light" panose="020B0403020204020204" pitchFamily="50" charset="-128"/>
               </a:rPr>
-              <a:t>UC007</a:t>
+              <a:t>UC008</a:t>
             </a:r>
             <a:endParaRPr kumimoji="1" lang="en-US" altLang="ja-JP" sz="1200" dirty="0">
               <a:latin typeface="M+ 1c light" panose="020B0403020204020204" pitchFamily="50" charset="-128"/>
@@ -4208,7 +4221,7 @@
         </p:nvSpPr>
         <p:spPr>
           <a:xfrm>
-            <a:off x="2869035" y="1971412"/>
+            <a:off x="2869035" y="2024949"/>
             <a:ext cx="1694576" cy="511728"/>
           </a:xfrm>
           <a:prstGeom prst="ellipse">
@@ -4240,7 +4253,7 @@
                 <a:ea typeface="M+ 1c light" panose="020B0403020204020204" pitchFamily="50" charset="-128"/>
                 <a:cs typeface="M+ 1c light" panose="020B0403020204020204" pitchFamily="50" charset="-128"/>
               </a:rPr>
-              <a:t>UC003</a:t>
+              <a:t>UC004</a:t>
             </a:r>
             <a:endParaRPr kumimoji="1" lang="en-US" altLang="ja-JP" sz="1200" dirty="0">
               <a:latin typeface="M+ 1c light" panose="020B0403020204020204" pitchFamily="50" charset="-128"/>
@@ -4251,12 +4264,20 @@
           <a:p>
             <a:pPr algn="ctr"/>
             <a:r>
+              <a:rPr lang="ja-JP" altLang="en-US" sz="1200" dirty="0">
+                <a:latin typeface="M+ 1c light" panose="020B0403020204020204" pitchFamily="50" charset="-128"/>
+                <a:ea typeface="M+ 1c light" panose="020B0403020204020204" pitchFamily="50" charset="-128"/>
+                <a:cs typeface="M+ 1c light" panose="020B0403020204020204" pitchFamily="50" charset="-128"/>
+              </a:rPr>
+              <a:t>申請</a:t>
+            </a:r>
+            <a:r>
               <a:rPr kumimoji="1" lang="ja-JP" altLang="en-US" sz="1200" dirty="0">
                 <a:latin typeface="M+ 1c light" panose="020B0403020204020204" pitchFamily="50" charset="-128"/>
                 <a:ea typeface="M+ 1c light" panose="020B0403020204020204" pitchFamily="50" charset="-128"/>
                 <a:cs typeface="M+ 1c light" panose="020B0403020204020204" pitchFamily="50" charset="-128"/>
               </a:rPr>
-              <a:t>下書き編集</a:t>
+              <a:t>編集</a:t>
             </a:r>
           </a:p>
         </p:txBody>
@@ -4307,7 +4328,7 @@
                 <a:ea typeface="M+ 1c light" panose="020B0403020204020204" pitchFamily="50" charset="-128"/>
                 <a:cs typeface="M+ 1c light" panose="020B0403020204020204" pitchFamily="50" charset="-128"/>
               </a:rPr>
-              <a:t>UC008</a:t>
+              <a:t>UC009</a:t>
             </a:r>
           </a:p>
           <a:p>
@@ -5009,7 +5030,7 @@
                 <a:ea typeface="M+ 1c light" panose="020B0403020204020204" pitchFamily="50" charset="-128"/>
                 <a:cs typeface="M+ 1c light" panose="020B0403020204020204" pitchFamily="50" charset="-128"/>
               </a:rPr>
-              <a:t>UC005</a:t>
+              <a:t>UC006</a:t>
             </a:r>
           </a:p>
           <a:p>
@@ -5071,7 +5092,7 @@
                 <a:ea typeface="M+ 1c light" panose="020B0403020204020204" pitchFamily="50" charset="-128"/>
                 <a:cs typeface="M+ 1c light" panose="020B0403020204020204" pitchFamily="50" charset="-128"/>
               </a:rPr>
-              <a:t>UC004</a:t>
+              <a:t>UC005</a:t>
             </a:r>
           </a:p>
           <a:p>
@@ -5133,7 +5154,7 @@
                 <a:ea typeface="M+ 1c light" panose="020B0403020204020204" pitchFamily="50" charset="-128"/>
                 <a:cs typeface="M+ 1c light" panose="020B0403020204020204" pitchFamily="50" charset="-128"/>
               </a:rPr>
-              <a:t>UC006</a:t>
+              <a:t>UC007</a:t>
             </a:r>
           </a:p>
           <a:p>
@@ -5195,7 +5216,7 @@
                 <a:ea typeface="M+ 1c light" panose="020B0403020204020204" pitchFamily="50" charset="-128"/>
                 <a:cs typeface="M+ 1c light" panose="020B0403020204020204" pitchFamily="50" charset="-128"/>
               </a:rPr>
-              <a:t>UC009</a:t>
+              <a:t>UC010</a:t>
             </a:r>
           </a:p>
           <a:p>
@@ -5427,8 +5448,8 @@
         </p:nvCxnSpPr>
         <p:spPr>
           <a:xfrm flipV="1">
-            <a:off x="1262542" y="616590"/>
-            <a:ext cx="1522603" cy="1131190"/>
+            <a:off x="1262542" y="376120"/>
+            <a:ext cx="1522603" cy="1371660"/>
           </a:xfrm>
           <a:prstGeom prst="line">
             <a:avLst/>
@@ -5467,8 +5488,8 @@
         </p:nvCxnSpPr>
         <p:spPr>
           <a:xfrm flipV="1">
-            <a:off x="1262542" y="1482054"/>
-            <a:ext cx="1522603" cy="265726"/>
+            <a:off x="1262542" y="1108692"/>
+            <a:ext cx="1522603" cy="639088"/>
           </a:xfrm>
           <a:prstGeom prst="line">
             <a:avLst/>
@@ -5548,7 +5569,7 @@
         <p:spPr>
           <a:xfrm>
             <a:off x="1262542" y="1747780"/>
-            <a:ext cx="1606493" cy="479496"/>
+            <a:ext cx="1606493" cy="533033"/>
           </a:xfrm>
           <a:prstGeom prst="line">
             <a:avLst/>
@@ -7723,6 +7744,73 @@
                 <a:cs typeface="M+ 1c light" panose="020B0403020204020204" pitchFamily="50" charset="-128"/>
               </a:rPr>
               <a:t>お知らせ通知</a:t>
+            </a:r>
+          </a:p>
+        </p:txBody>
+      </p:sp>
+      <p:sp>
+        <p:nvSpPr>
+          <p:cNvPr id="112" name="楕円 111">
+            <a:extLst>
+              <a:ext uri="{FF2B5EF4-FFF2-40B4-BE49-F238E27FC236}">
+                <a16:creationId xmlns:a16="http://schemas.microsoft.com/office/drawing/2014/main" id="{A078530B-B7D0-4B29-BDE4-72E0EBA63090}"/>
+              </a:ext>
+            </a:extLst>
+          </p:cNvPr>
+          <p:cNvSpPr/>
+          <p:nvPr/>
+        </p:nvSpPr>
+        <p:spPr>
+          <a:xfrm>
+            <a:off x="2869035" y="1425908"/>
+            <a:ext cx="1694576" cy="511728"/>
+          </a:xfrm>
+          <a:prstGeom prst="ellipse">
+            <a:avLst/>
+          </a:prstGeom>
+        </p:spPr>
+        <p:style>
+          <a:lnRef idx="2">
+            <a:schemeClr val="accent1"/>
+          </a:lnRef>
+          <a:fillRef idx="1">
+            <a:schemeClr val="lt1"/>
+          </a:fillRef>
+          <a:effectRef idx="0">
+            <a:schemeClr val="accent1"/>
+          </a:effectRef>
+          <a:fontRef idx="minor">
+            <a:schemeClr val="dk1"/>
+          </a:fontRef>
+        </p:style>
+        <p:txBody>
+          <a:bodyPr rtlCol="0" anchor="ctr"/>
+          <a:lstStyle/>
+          <a:p>
+            <a:pPr algn="ctr"/>
+            <a:r>
+              <a:rPr lang="en-US" altLang="ja-JP" sz="1200" dirty="0">
+                <a:latin typeface="M+ 1c light" panose="020B0403020204020204" pitchFamily="50" charset="-128"/>
+                <a:ea typeface="M+ 1c light" panose="020B0403020204020204" pitchFamily="50" charset="-128"/>
+                <a:cs typeface="M+ 1c light" panose="020B0403020204020204" pitchFamily="50" charset="-128"/>
+              </a:rPr>
+              <a:t>UC003</a:t>
+            </a:r>
+            <a:endParaRPr kumimoji="1" lang="en-US" altLang="ja-JP" sz="1200" dirty="0">
+              <a:latin typeface="M+ 1c light" panose="020B0403020204020204" pitchFamily="50" charset="-128"/>
+              <a:ea typeface="M+ 1c light" panose="020B0403020204020204" pitchFamily="50" charset="-128"/>
+              <a:cs typeface="M+ 1c light" panose="020B0403020204020204" pitchFamily="50" charset="-128"/>
+            </a:endParaRPr>
+          </a:p>
+          <a:p>
+            <a:pPr algn="ctr"/>
+            <a:r>
+              <a:rPr kumimoji="1" lang="ja-JP" altLang="en-US" sz="1200" dirty="0">
+                <a:latin typeface="M+ 1c light" panose="020B0403020204020204" pitchFamily="50" charset="-128"/>
+                <a:ea typeface="M+ 1c light" panose="020B0403020204020204" pitchFamily="50" charset="-128"/>
+                <a:cs typeface="M+ 1c light" panose="020B0403020204020204" pitchFamily="50" charset="-128"/>
+              </a:rPr>
+              <a:t>下書き編集</a:t>
             </a:r>
           </a:p>
         </p:txBody>

--- a/docs/設計資料/01_画面/use_case_diagram.pptx
+++ b/docs/設計資料/01_画面/use_case_diagram.pptx
@@ -648,7 +648,7 @@
           <a:p>
             <a:fld id="{596DE46F-E6F5-4014-9C0D-231142EDA3E6}" type="datetimeFigureOut">
               <a:rPr kumimoji="1" lang="ja-JP" altLang="en-US" smtClean="0"/>
-              <a:t>2021/10/25</a:t>
+              <a:t>2021/10/28</a:t>
             </a:fld>
             <a:endParaRPr kumimoji="1" lang="ja-JP" altLang="en-US"/>
           </a:p>
@@ -878,7 +878,7 @@
           <a:p>
             <a:fld id="{596DE46F-E6F5-4014-9C0D-231142EDA3E6}" type="datetimeFigureOut">
               <a:rPr kumimoji="1" lang="ja-JP" altLang="en-US" smtClean="0"/>
-              <a:t>2021/10/25</a:t>
+              <a:t>2021/10/28</a:t>
             </a:fld>
             <a:endParaRPr kumimoji="1" lang="ja-JP" altLang="en-US"/>
           </a:p>
@@ -1118,7 +1118,7 @@
           <a:p>
             <a:fld id="{596DE46F-E6F5-4014-9C0D-231142EDA3E6}" type="datetimeFigureOut">
               <a:rPr kumimoji="1" lang="ja-JP" altLang="en-US" smtClean="0"/>
-              <a:t>2021/10/25</a:t>
+              <a:t>2021/10/28</a:t>
             </a:fld>
             <a:endParaRPr kumimoji="1" lang="ja-JP" altLang="en-US"/>
           </a:p>
@@ -1348,7 +1348,7 @@
           <a:p>
             <a:fld id="{596DE46F-E6F5-4014-9C0D-231142EDA3E6}" type="datetimeFigureOut">
               <a:rPr kumimoji="1" lang="ja-JP" altLang="en-US" smtClean="0"/>
-              <a:t>2021/10/25</a:t>
+              <a:t>2021/10/28</a:t>
             </a:fld>
             <a:endParaRPr kumimoji="1" lang="ja-JP" altLang="en-US"/>
           </a:p>
@@ -1623,7 +1623,7 @@
           <a:p>
             <a:fld id="{596DE46F-E6F5-4014-9C0D-231142EDA3E6}" type="datetimeFigureOut">
               <a:rPr kumimoji="1" lang="ja-JP" altLang="en-US" smtClean="0"/>
-              <a:t>2021/10/25</a:t>
+              <a:t>2021/10/28</a:t>
             </a:fld>
             <a:endParaRPr kumimoji="1" lang="ja-JP" altLang="en-US"/>
           </a:p>
@@ -1952,7 +1952,7 @@
           <a:p>
             <a:fld id="{596DE46F-E6F5-4014-9C0D-231142EDA3E6}" type="datetimeFigureOut">
               <a:rPr kumimoji="1" lang="ja-JP" altLang="en-US" smtClean="0"/>
-              <a:t>2021/10/25</a:t>
+              <a:t>2021/10/28</a:t>
             </a:fld>
             <a:endParaRPr kumimoji="1" lang="ja-JP" altLang="en-US"/>
           </a:p>
@@ -2428,7 +2428,7 @@
           <a:p>
             <a:fld id="{596DE46F-E6F5-4014-9C0D-231142EDA3E6}" type="datetimeFigureOut">
               <a:rPr kumimoji="1" lang="ja-JP" altLang="en-US" smtClean="0"/>
-              <a:t>2021/10/25</a:t>
+              <a:t>2021/10/28</a:t>
             </a:fld>
             <a:endParaRPr kumimoji="1" lang="ja-JP" altLang="en-US"/>
           </a:p>
@@ -2569,7 +2569,7 @@
           <a:p>
             <a:fld id="{596DE46F-E6F5-4014-9C0D-231142EDA3E6}" type="datetimeFigureOut">
               <a:rPr kumimoji="1" lang="ja-JP" altLang="en-US" smtClean="0"/>
-              <a:t>2021/10/25</a:t>
+              <a:t>2021/10/28</a:t>
             </a:fld>
             <a:endParaRPr kumimoji="1" lang="ja-JP" altLang="en-US"/>
           </a:p>
@@ -2682,7 +2682,7 @@
           <a:p>
             <a:fld id="{596DE46F-E6F5-4014-9C0D-231142EDA3E6}" type="datetimeFigureOut">
               <a:rPr kumimoji="1" lang="ja-JP" altLang="en-US" smtClean="0"/>
-              <a:t>2021/10/25</a:t>
+              <a:t>2021/10/28</a:t>
             </a:fld>
             <a:endParaRPr kumimoji="1" lang="ja-JP" altLang="en-US"/>
           </a:p>
@@ -3025,7 +3025,7 @@
           <a:p>
             <a:fld id="{596DE46F-E6F5-4014-9C0D-231142EDA3E6}" type="datetimeFigureOut">
               <a:rPr kumimoji="1" lang="ja-JP" altLang="en-US" smtClean="0"/>
-              <a:t>2021/10/25</a:t>
+              <a:t>2021/10/28</a:t>
             </a:fld>
             <a:endParaRPr kumimoji="1" lang="ja-JP" altLang="en-US"/>
           </a:p>
@@ -3313,7 +3313,7 @@
           <a:p>
             <a:fld id="{596DE46F-E6F5-4014-9C0D-231142EDA3E6}" type="datetimeFigureOut">
               <a:rPr kumimoji="1" lang="ja-JP" altLang="en-US" smtClean="0"/>
-              <a:t>2021/10/25</a:t>
+              <a:t>2021/10/28</a:t>
             </a:fld>
             <a:endParaRPr kumimoji="1" lang="ja-JP" altLang="en-US"/>
           </a:p>
@@ -3586,7 +3586,7 @@
           <a:p>
             <a:fld id="{596DE46F-E6F5-4014-9C0D-231142EDA3E6}" type="datetimeFigureOut">
               <a:rPr kumimoji="1" lang="ja-JP" altLang="en-US" smtClean="0"/>
-              <a:t>2021/10/25</a:t>
+              <a:t>2021/10/28</a:t>
             </a:fld>
             <a:endParaRPr kumimoji="1" lang="ja-JP" altLang="en-US"/>
           </a:p>
@@ -5832,10 +5832,10 @@
       </p:cxnSp>
       <p:sp>
         <p:nvSpPr>
-          <p:cNvPr id="77" name="楕円 76">
-            <a:extLst>
-              <a:ext uri="{FF2B5EF4-FFF2-40B4-BE49-F238E27FC236}">
-                <a16:creationId xmlns:a16="http://schemas.microsoft.com/office/drawing/2014/main" id="{8B95C89C-996C-4EE0-A00A-307A51B6F1B3}"/>
+          <p:cNvPr id="79" name="楕円 78">
+            <a:extLst>
+              <a:ext uri="{FF2B5EF4-FFF2-40B4-BE49-F238E27FC236}">
+                <a16:creationId xmlns:a16="http://schemas.microsoft.com/office/drawing/2014/main" id="{9FA2078C-C74B-42B9-9595-ECA9B50A6296}"/>
               </a:ext>
             </a:extLst>
           </p:cNvPr>
@@ -5844,8 +5844,8 @@
         </p:nvSpPr>
         <p:spPr>
           <a:xfrm>
-            <a:off x="8941270" y="3624427"/>
-            <a:ext cx="1694576" cy="511728"/>
+            <a:off x="7947164" y="3843560"/>
+            <a:ext cx="2383878" cy="511728"/>
           </a:xfrm>
           <a:prstGeom prst="ellipse">
             <a:avLst/>
@@ -5876,7 +5876,7 @@
                 <a:ea typeface="M+ 1c light" panose="020B0403020204020204" pitchFamily="50" charset="-128"/>
                 <a:cs typeface="M+ 1c light" panose="020B0403020204020204" pitchFamily="50" charset="-128"/>
               </a:rPr>
-              <a:t>UC210</a:t>
+              <a:t>UC211</a:t>
             </a:r>
           </a:p>
           <a:p>
@@ -5887,17 +5887,17 @@
                 <a:ea typeface="M+ 1c light" panose="020B0403020204020204" pitchFamily="50" charset="-128"/>
                 <a:cs typeface="M+ 1c light" panose="020B0403020204020204" pitchFamily="50" charset="-128"/>
               </a:rPr>
-              <a:t>承認通知</a:t>
-            </a:r>
-          </a:p>
-        </p:txBody>
-      </p:sp>
-      <p:sp>
-        <p:nvSpPr>
-          <p:cNvPr id="78" name="楕円 77">
-            <a:extLst>
-              <a:ext uri="{FF2B5EF4-FFF2-40B4-BE49-F238E27FC236}">
-                <a16:creationId xmlns:a16="http://schemas.microsoft.com/office/drawing/2014/main" id="{C0205085-B718-47BC-9B5A-34B57D6ED8BD}"/>
+              <a:t>申請者関連件数表示</a:t>
+            </a:r>
+          </a:p>
+        </p:txBody>
+      </p:sp>
+      <p:sp>
+        <p:nvSpPr>
+          <p:cNvPr id="80" name="楕円 79">
+            <a:extLst>
+              <a:ext uri="{FF2B5EF4-FFF2-40B4-BE49-F238E27FC236}">
+                <a16:creationId xmlns:a16="http://schemas.microsoft.com/office/drawing/2014/main" id="{C50B3C2D-4748-47DD-9006-D7B47D0D13D9}"/>
               </a:ext>
             </a:extLst>
           </p:cNvPr>
@@ -5906,139 +5906,7 @@
         </p:nvSpPr>
         <p:spPr>
           <a:xfrm>
-            <a:off x="9673911" y="4276990"/>
-            <a:ext cx="1694576" cy="511728"/>
-          </a:xfrm>
-          <a:prstGeom prst="ellipse">
-            <a:avLst/>
-          </a:prstGeom>
-        </p:spPr>
-        <p:style>
-          <a:lnRef idx="2">
-            <a:schemeClr val="accent1"/>
-          </a:lnRef>
-          <a:fillRef idx="1">
-            <a:schemeClr val="lt1"/>
-          </a:fillRef>
-          <a:effectRef idx="0">
-            <a:schemeClr val="accent1"/>
-          </a:effectRef>
-          <a:fontRef idx="minor">
-            <a:schemeClr val="dk1"/>
-          </a:fontRef>
-        </p:style>
-        <p:txBody>
-          <a:bodyPr rtlCol="0" anchor="ctr"/>
-          <a:lstStyle/>
-          <a:p>
-            <a:pPr algn="ctr"/>
-            <a:r>
-              <a:rPr lang="en-US" altLang="ja-JP" sz="1200" dirty="0">
-                <a:latin typeface="M+ 1c light" panose="020B0403020204020204" pitchFamily="50" charset="-128"/>
-                <a:ea typeface="M+ 1c light" panose="020B0403020204020204" pitchFamily="50" charset="-128"/>
-                <a:cs typeface="M+ 1c light" panose="020B0403020204020204" pitchFamily="50" charset="-128"/>
-              </a:rPr>
-              <a:t>UC211</a:t>
-            </a:r>
-          </a:p>
-          <a:p>
-            <a:pPr algn="ctr"/>
-            <a:r>
-              <a:rPr lang="ja-JP" altLang="en-US" sz="1200" dirty="0">
-                <a:latin typeface="M+ 1c light" panose="020B0403020204020204" pitchFamily="50" charset="-128"/>
-                <a:ea typeface="M+ 1c light" panose="020B0403020204020204" pitchFamily="50" charset="-128"/>
-                <a:cs typeface="M+ 1c light" panose="020B0403020204020204" pitchFamily="50" charset="-128"/>
-              </a:rPr>
-              <a:t>不在</a:t>
-            </a:r>
-            <a:r>
-              <a:rPr kumimoji="1" lang="ja-JP" altLang="en-US" sz="1200" dirty="0">
-                <a:latin typeface="M+ 1c light" panose="020B0403020204020204" pitchFamily="50" charset="-128"/>
-                <a:ea typeface="M+ 1c light" panose="020B0403020204020204" pitchFamily="50" charset="-128"/>
-                <a:cs typeface="M+ 1c light" panose="020B0403020204020204" pitchFamily="50" charset="-128"/>
-              </a:rPr>
-              <a:t>通知</a:t>
-            </a:r>
-          </a:p>
-        </p:txBody>
-      </p:sp>
-      <p:sp>
-        <p:nvSpPr>
-          <p:cNvPr id="79" name="楕円 78">
-            <a:extLst>
-              <a:ext uri="{FF2B5EF4-FFF2-40B4-BE49-F238E27FC236}">
-                <a16:creationId xmlns:a16="http://schemas.microsoft.com/office/drawing/2014/main" id="{9FA2078C-C74B-42B9-9595-ECA9B50A6296}"/>
-              </a:ext>
-            </a:extLst>
-          </p:cNvPr>
-          <p:cNvSpPr/>
-          <p:nvPr/>
-        </p:nvSpPr>
-        <p:spPr>
-          <a:xfrm>
-            <a:off x="9673911" y="4970867"/>
-            <a:ext cx="1694576" cy="511728"/>
-          </a:xfrm>
-          <a:prstGeom prst="ellipse">
-            <a:avLst/>
-          </a:prstGeom>
-        </p:spPr>
-        <p:style>
-          <a:lnRef idx="2">
-            <a:schemeClr val="accent1"/>
-          </a:lnRef>
-          <a:fillRef idx="1">
-            <a:schemeClr val="lt1"/>
-          </a:fillRef>
-          <a:effectRef idx="0">
-            <a:schemeClr val="accent1"/>
-          </a:effectRef>
-          <a:fontRef idx="minor">
-            <a:schemeClr val="dk1"/>
-          </a:fontRef>
-        </p:style>
-        <p:txBody>
-          <a:bodyPr rtlCol="0" anchor="ctr"/>
-          <a:lstStyle/>
-          <a:p>
-            <a:pPr algn="ctr"/>
-            <a:r>
-              <a:rPr kumimoji="1" lang="en-US" altLang="ja-JP" sz="1200" dirty="0">
-                <a:latin typeface="M+ 1c light" panose="020B0403020204020204" pitchFamily="50" charset="-128"/>
-                <a:ea typeface="M+ 1c light" panose="020B0403020204020204" pitchFamily="50" charset="-128"/>
-                <a:cs typeface="M+ 1c light" panose="020B0403020204020204" pitchFamily="50" charset="-128"/>
-              </a:rPr>
-              <a:t>UC212</a:t>
-            </a:r>
-          </a:p>
-          <a:p>
-            <a:pPr algn="ctr"/>
-            <a:r>
-              <a:rPr kumimoji="1" lang="ja-JP" altLang="en-US" sz="1200" dirty="0">
-                <a:latin typeface="M+ 1c light" panose="020B0403020204020204" pitchFamily="50" charset="-128"/>
-                <a:ea typeface="M+ 1c light" panose="020B0403020204020204" pitchFamily="50" charset="-128"/>
-                <a:cs typeface="M+ 1c light" panose="020B0403020204020204" pitchFamily="50" charset="-128"/>
-              </a:rPr>
-              <a:t>差戻通知</a:t>
-            </a:r>
-          </a:p>
-        </p:txBody>
-      </p:sp>
-      <p:sp>
-        <p:nvSpPr>
-          <p:cNvPr id="80" name="楕円 79">
-            <a:extLst>
-              <a:ext uri="{FF2B5EF4-FFF2-40B4-BE49-F238E27FC236}">
-                <a16:creationId xmlns:a16="http://schemas.microsoft.com/office/drawing/2014/main" id="{C50B3C2D-4748-47DD-9006-D7B47D0D13D9}"/>
-              </a:ext>
-            </a:extLst>
-          </p:cNvPr>
-          <p:cNvSpPr/>
-          <p:nvPr/>
-        </p:nvSpPr>
-        <p:spPr>
-          <a:xfrm>
-            <a:off x="6871984" y="4901372"/>
+            <a:off x="6871984" y="4386007"/>
             <a:ext cx="1694576" cy="511728"/>
           </a:xfrm>
           <a:prstGeom prst="ellipse">
@@ -6156,166 +6024,6 @@
           </a:p>
         </p:txBody>
       </p:sp>
-      <p:cxnSp>
-        <p:nvCxnSpPr>
-          <p:cNvPr id="88" name="直線コネクタ 87">
-            <a:extLst>
-              <a:ext uri="{FF2B5EF4-FFF2-40B4-BE49-F238E27FC236}">
-                <a16:creationId xmlns:a16="http://schemas.microsoft.com/office/drawing/2014/main" id="{FA086916-2019-4C8B-9741-0D94A7CDDF0B}"/>
-              </a:ext>
-            </a:extLst>
-          </p:cNvPr>
-          <p:cNvCxnSpPr>
-            <a:cxnSpLocks/>
-            <a:stCxn id="77" idx="2"/>
-            <a:endCxn id="81" idx="6"/>
-          </p:cNvCxnSpPr>
-          <p:nvPr/>
-        </p:nvCxnSpPr>
-        <p:spPr>
-          <a:xfrm flipH="1" flipV="1">
-            <a:off x="8566560" y="3469569"/>
-            <a:ext cx="374710" cy="410722"/>
-          </a:xfrm>
-          <a:prstGeom prst="line">
-            <a:avLst/>
-          </a:prstGeom>
-        </p:spPr>
-        <p:style>
-          <a:lnRef idx="1">
-            <a:schemeClr val="accent1"/>
-          </a:lnRef>
-          <a:fillRef idx="0">
-            <a:schemeClr val="accent1"/>
-          </a:fillRef>
-          <a:effectRef idx="0">
-            <a:schemeClr val="accent1"/>
-          </a:effectRef>
-          <a:fontRef idx="minor">
-            <a:schemeClr val="tx1"/>
-          </a:fontRef>
-        </p:style>
-      </p:cxnSp>
-      <p:cxnSp>
-        <p:nvCxnSpPr>
-          <p:cNvPr id="91" name="直線コネクタ 90">
-            <a:extLst>
-              <a:ext uri="{FF2B5EF4-FFF2-40B4-BE49-F238E27FC236}">
-                <a16:creationId xmlns:a16="http://schemas.microsoft.com/office/drawing/2014/main" id="{1575B6DC-F111-4986-9EE9-A5BACF4556DF}"/>
-              </a:ext>
-            </a:extLst>
-          </p:cNvPr>
-          <p:cNvCxnSpPr>
-            <a:cxnSpLocks/>
-            <a:stCxn id="78" idx="2"/>
-            <a:endCxn id="80" idx="6"/>
-          </p:cNvCxnSpPr>
-          <p:nvPr/>
-        </p:nvCxnSpPr>
-        <p:spPr>
-          <a:xfrm flipH="1">
-            <a:off x="8566560" y="4532854"/>
-            <a:ext cx="1107351" cy="624382"/>
-          </a:xfrm>
-          <a:prstGeom prst="line">
-            <a:avLst/>
-          </a:prstGeom>
-        </p:spPr>
-        <p:style>
-          <a:lnRef idx="1">
-            <a:schemeClr val="accent1"/>
-          </a:lnRef>
-          <a:fillRef idx="0">
-            <a:schemeClr val="accent1"/>
-          </a:fillRef>
-          <a:effectRef idx="0">
-            <a:schemeClr val="accent1"/>
-          </a:effectRef>
-          <a:fontRef idx="minor">
-            <a:schemeClr val="tx1"/>
-          </a:fontRef>
-        </p:style>
-      </p:cxnSp>
-      <p:cxnSp>
-        <p:nvCxnSpPr>
-          <p:cNvPr id="94" name="直線コネクタ 93">
-            <a:extLst>
-              <a:ext uri="{FF2B5EF4-FFF2-40B4-BE49-F238E27FC236}">
-                <a16:creationId xmlns:a16="http://schemas.microsoft.com/office/drawing/2014/main" id="{C436E175-9237-4167-AAD5-9E47A20446C1}"/>
-              </a:ext>
-            </a:extLst>
-          </p:cNvPr>
-          <p:cNvCxnSpPr>
-            <a:cxnSpLocks/>
-            <a:stCxn id="77" idx="2"/>
-            <a:endCxn id="80" idx="6"/>
-          </p:cNvCxnSpPr>
-          <p:nvPr/>
-        </p:nvCxnSpPr>
-        <p:spPr>
-          <a:xfrm flipH="1">
-            <a:off x="8566560" y="3880291"/>
-            <a:ext cx="374710" cy="1276945"/>
-          </a:xfrm>
-          <a:prstGeom prst="line">
-            <a:avLst/>
-          </a:prstGeom>
-        </p:spPr>
-        <p:style>
-          <a:lnRef idx="1">
-            <a:schemeClr val="accent1"/>
-          </a:lnRef>
-          <a:fillRef idx="0">
-            <a:schemeClr val="accent1"/>
-          </a:fillRef>
-          <a:effectRef idx="0">
-            <a:schemeClr val="accent1"/>
-          </a:effectRef>
-          <a:fontRef idx="minor">
-            <a:schemeClr val="tx1"/>
-          </a:fontRef>
-        </p:style>
-      </p:cxnSp>
-      <p:cxnSp>
-        <p:nvCxnSpPr>
-          <p:cNvPr id="97" name="直線コネクタ 96">
-            <a:extLst>
-              <a:ext uri="{FF2B5EF4-FFF2-40B4-BE49-F238E27FC236}">
-                <a16:creationId xmlns:a16="http://schemas.microsoft.com/office/drawing/2014/main" id="{43B769E6-730D-48E9-8F23-08555689D5C0}"/>
-              </a:ext>
-            </a:extLst>
-          </p:cNvPr>
-          <p:cNvCxnSpPr>
-            <a:cxnSpLocks/>
-            <a:stCxn id="79" idx="2"/>
-            <a:endCxn id="80" idx="6"/>
-          </p:cNvCxnSpPr>
-          <p:nvPr/>
-        </p:nvCxnSpPr>
-        <p:spPr>
-          <a:xfrm flipH="1" flipV="1">
-            <a:off x="8566560" y="5157236"/>
-            <a:ext cx="1107351" cy="69495"/>
-          </a:xfrm>
-          <a:prstGeom prst="line">
-            <a:avLst/>
-          </a:prstGeom>
-        </p:spPr>
-        <p:style>
-          <a:lnRef idx="1">
-            <a:schemeClr val="accent1"/>
-          </a:lnRef>
-          <a:fillRef idx="0">
-            <a:schemeClr val="accent1"/>
-          </a:fillRef>
-          <a:effectRef idx="0">
-            <a:schemeClr val="accent1"/>
-          </a:effectRef>
-          <a:fontRef idx="minor">
-            <a:schemeClr val="tx1"/>
-          </a:fontRef>
-        </p:style>
-      </p:cxnSp>
       <p:sp>
         <p:nvSpPr>
           <p:cNvPr id="52" name="楕円 51">
@@ -6392,7 +6100,7 @@
         </p:nvSpPr>
         <p:spPr>
           <a:xfrm>
-            <a:off x="9788558" y="5684494"/>
+            <a:off x="9931172" y="5575211"/>
             <a:ext cx="2172749" cy="511728"/>
           </a:xfrm>
           <a:prstGeom prst="ellipse">
@@ -6424,7 +6132,7 @@
                 <a:ea typeface="M+ 1c light" panose="020B0403020204020204" pitchFamily="50" charset="-128"/>
                 <a:cs typeface="M+ 1c light" panose="020B0403020204020204" pitchFamily="50" charset="-128"/>
               </a:rPr>
-              <a:t>UC213</a:t>
+              <a:t>UC250</a:t>
             </a:r>
           </a:p>
           <a:p>
@@ -6435,7 +6143,7 @@
                 <a:ea typeface="M+ 1c light" panose="020B0403020204020204" pitchFamily="50" charset="-128"/>
                 <a:cs typeface="M+ 1c light" panose="020B0403020204020204" pitchFamily="50" charset="-128"/>
               </a:rPr>
-              <a:t>承認通知一括既読</a:t>
+              <a:t>通知既読</a:t>
             </a:r>
             <a:endParaRPr kumimoji="1" lang="ja-JP" altLang="en-US" sz="1200" dirty="0">
               <a:latin typeface="M+ 1c light" panose="020B0403020204020204" pitchFamily="50" charset="-128"/>
@@ -6445,46 +6153,6 @@
           </a:p>
         </p:txBody>
       </p:sp>
-      <p:cxnSp>
-        <p:nvCxnSpPr>
-          <p:cNvPr id="59" name="直線コネクタ 58">
-            <a:extLst>
-              <a:ext uri="{FF2B5EF4-FFF2-40B4-BE49-F238E27FC236}">
-                <a16:creationId xmlns:a16="http://schemas.microsoft.com/office/drawing/2014/main" id="{C7BF5D9D-4B59-455C-9AFC-AD96157C4177}"/>
-              </a:ext>
-            </a:extLst>
-          </p:cNvPr>
-          <p:cNvCxnSpPr>
-            <a:cxnSpLocks/>
-            <a:stCxn id="80" idx="6"/>
-            <a:endCxn id="57" idx="2"/>
-          </p:cNvCxnSpPr>
-          <p:nvPr/>
-        </p:nvCxnSpPr>
-        <p:spPr>
-          <a:xfrm>
-            <a:off x="8566560" y="5157236"/>
-            <a:ext cx="1221998" cy="783122"/>
-          </a:xfrm>
-          <a:prstGeom prst="line">
-            <a:avLst/>
-          </a:prstGeom>
-        </p:spPr>
-        <p:style>
-          <a:lnRef idx="1">
-            <a:schemeClr val="accent1"/>
-          </a:lnRef>
-          <a:fillRef idx="0">
-            <a:schemeClr val="accent1"/>
-          </a:fillRef>
-          <a:effectRef idx="0">
-            <a:schemeClr val="accent1"/>
-          </a:effectRef>
-          <a:fontRef idx="minor">
-            <a:schemeClr val="tx1"/>
-          </a:fontRef>
-        </p:style>
-      </p:cxnSp>
       <p:grpSp>
         <p:nvGrpSpPr>
           <p:cNvPr id="72" name="グループ化 71">
@@ -7058,9 +6726,9 @@
           <p:nvPr/>
         </p:nvCxnSpPr>
         <p:spPr>
-          <a:xfrm>
-            <a:off x="6263782" y="4921577"/>
-            <a:ext cx="608202" cy="235659"/>
+          <a:xfrm flipV="1">
+            <a:off x="6263782" y="4641871"/>
+            <a:ext cx="608202" cy="279706"/>
           </a:xfrm>
           <a:prstGeom prst="line">
             <a:avLst/>
@@ -7646,46 +7314,6 @@
           </a:fontRef>
         </p:style>
       </p:cxnSp>
-      <p:cxnSp>
-        <p:nvCxnSpPr>
-          <p:cNvPr id="110" name="直線コネクタ 109">
-            <a:extLst>
-              <a:ext uri="{FF2B5EF4-FFF2-40B4-BE49-F238E27FC236}">
-                <a16:creationId xmlns:a16="http://schemas.microsoft.com/office/drawing/2014/main" id="{B5D3F0EC-D6E5-4505-9280-1744A84727B8}"/>
-              </a:ext>
-            </a:extLst>
-          </p:cNvPr>
-          <p:cNvCxnSpPr>
-            <a:cxnSpLocks/>
-            <a:stCxn id="77" idx="2"/>
-            <a:endCxn id="108" idx="6"/>
-          </p:cNvCxnSpPr>
-          <p:nvPr/>
-        </p:nvCxnSpPr>
-        <p:spPr>
-          <a:xfrm flipH="1">
-            <a:off x="8566560" y="3880291"/>
-            <a:ext cx="374710" cy="2226686"/>
-          </a:xfrm>
-          <a:prstGeom prst="line">
-            <a:avLst/>
-          </a:prstGeom>
-        </p:spPr>
-        <p:style>
-          <a:lnRef idx="1">
-            <a:schemeClr val="accent1"/>
-          </a:lnRef>
-          <a:fillRef idx="0">
-            <a:schemeClr val="accent1"/>
-          </a:fillRef>
-          <a:effectRef idx="0">
-            <a:schemeClr val="accent1"/>
-          </a:effectRef>
-          <a:fontRef idx="minor">
-            <a:schemeClr val="tx1"/>
-          </a:fontRef>
-        </p:style>
-      </p:cxnSp>
       <p:sp>
         <p:nvSpPr>
           <p:cNvPr id="111" name="楕円 110">
@@ -7811,6 +7439,135 @@
                 <a:cs typeface="M+ 1c light" panose="020B0403020204020204" pitchFamily="50" charset="-128"/>
               </a:rPr>
               <a:t>下書き編集</a:t>
+            </a:r>
+          </a:p>
+        </p:txBody>
+      </p:sp>
+      <p:sp>
+        <p:nvSpPr>
+          <p:cNvPr id="113" name="楕円 112">
+            <a:extLst>
+              <a:ext uri="{FF2B5EF4-FFF2-40B4-BE49-F238E27FC236}">
+                <a16:creationId xmlns:a16="http://schemas.microsoft.com/office/drawing/2014/main" id="{EA2483A7-6244-484E-BD30-24881B53DBCF}"/>
+              </a:ext>
+            </a:extLst>
+          </p:cNvPr>
+          <p:cNvSpPr/>
+          <p:nvPr/>
+        </p:nvSpPr>
+        <p:spPr>
+          <a:xfrm>
+            <a:off x="9931172" y="6203573"/>
+            <a:ext cx="2172749" cy="511728"/>
+          </a:xfrm>
+          <a:prstGeom prst="ellipse">
+            <a:avLst/>
+          </a:prstGeom>
+        </p:spPr>
+        <p:style>
+          <a:lnRef idx="2">
+            <a:schemeClr val="accent1"/>
+          </a:lnRef>
+          <a:fillRef idx="1">
+            <a:schemeClr val="lt1"/>
+          </a:fillRef>
+          <a:effectRef idx="0">
+            <a:schemeClr val="accent1"/>
+          </a:effectRef>
+          <a:fontRef idx="minor">
+            <a:schemeClr val="dk1"/>
+          </a:fontRef>
+        </p:style>
+        <p:txBody>
+          <a:bodyPr rtlCol="0" anchor="ctr"/>
+          <a:lstStyle/>
+          <a:p>
+            <a:pPr algn="ctr"/>
+            <a:r>
+              <a:rPr lang="en-US" altLang="ja-JP" sz="1200" dirty="0">
+                <a:latin typeface="M+ 1c light" panose="020B0403020204020204" pitchFamily="50" charset="-128"/>
+                <a:ea typeface="M+ 1c light" panose="020B0403020204020204" pitchFamily="50" charset="-128"/>
+                <a:cs typeface="M+ 1c light" panose="020B0403020204020204" pitchFamily="50" charset="-128"/>
+              </a:rPr>
+              <a:t>UC251</a:t>
+            </a:r>
+          </a:p>
+          <a:p>
+            <a:pPr algn="ctr"/>
+            <a:r>
+              <a:rPr lang="ja-JP" altLang="en-US" sz="1200" dirty="0">
+                <a:latin typeface="M+ 1c light" panose="020B0403020204020204" pitchFamily="50" charset="-128"/>
+                <a:ea typeface="M+ 1c light" panose="020B0403020204020204" pitchFamily="50" charset="-128"/>
+                <a:cs typeface="M+ 1c light" panose="020B0403020204020204" pitchFamily="50" charset="-128"/>
+              </a:rPr>
+              <a:t>通知一括既読</a:t>
+            </a:r>
+            <a:endParaRPr kumimoji="1" lang="ja-JP" altLang="en-US" sz="1200" dirty="0">
+              <a:latin typeface="M+ 1c light" panose="020B0403020204020204" pitchFamily="50" charset="-128"/>
+              <a:ea typeface="M+ 1c light" panose="020B0403020204020204" pitchFamily="50" charset="-128"/>
+              <a:cs typeface="M+ 1c light" panose="020B0403020204020204" pitchFamily="50" charset="-128"/>
+            </a:endParaRPr>
+          </a:p>
+        </p:txBody>
+      </p:sp>
+      <p:sp>
+        <p:nvSpPr>
+          <p:cNvPr id="114" name="楕円 113">
+            <a:extLst>
+              <a:ext uri="{FF2B5EF4-FFF2-40B4-BE49-F238E27FC236}">
+                <a16:creationId xmlns:a16="http://schemas.microsoft.com/office/drawing/2014/main" id="{49B79EBC-BFCB-485F-B37E-417662264040}"/>
+              </a:ext>
+            </a:extLst>
+          </p:cNvPr>
+          <p:cNvSpPr/>
+          <p:nvPr/>
+        </p:nvSpPr>
+        <p:spPr>
+          <a:xfrm>
+            <a:off x="7947164" y="5088714"/>
+            <a:ext cx="2383878" cy="511728"/>
+          </a:xfrm>
+          <a:prstGeom prst="ellipse">
+            <a:avLst/>
+          </a:prstGeom>
+        </p:spPr>
+        <p:style>
+          <a:lnRef idx="2">
+            <a:schemeClr val="accent1"/>
+          </a:lnRef>
+          <a:fillRef idx="1">
+            <a:schemeClr val="lt1"/>
+          </a:fillRef>
+          <a:effectRef idx="0">
+            <a:schemeClr val="accent1"/>
+          </a:effectRef>
+          <a:fontRef idx="minor">
+            <a:schemeClr val="dk1"/>
+          </a:fontRef>
+        </p:style>
+        <p:txBody>
+          <a:bodyPr rtlCol="0" anchor="ctr"/>
+          <a:lstStyle/>
+          <a:p>
+            <a:pPr algn="ctr"/>
+            <a:r>
+              <a:rPr kumimoji="1" lang="en-US" altLang="ja-JP" sz="1200" dirty="0">
+                <a:latin typeface="M+ 1c light" panose="020B0403020204020204" pitchFamily="50" charset="-128"/>
+                <a:ea typeface="M+ 1c light" panose="020B0403020204020204" pitchFamily="50" charset="-128"/>
+                <a:cs typeface="M+ 1c light" panose="020B0403020204020204" pitchFamily="50" charset="-128"/>
+              </a:rPr>
+              <a:t>UC212</a:t>
+            </a:r>
+          </a:p>
+          <a:p>
+            <a:pPr algn="ctr"/>
+            <a:r>
+              <a:rPr kumimoji="1" lang="ja-JP" altLang="en-US" sz="1200" dirty="0">
+                <a:latin typeface="M+ 1c light" panose="020B0403020204020204" pitchFamily="50" charset="-128"/>
+                <a:ea typeface="M+ 1c light" panose="020B0403020204020204" pitchFamily="50" charset="-128"/>
+                <a:cs typeface="M+ 1c light" panose="020B0403020204020204" pitchFamily="50" charset="-128"/>
+              </a:rPr>
+              <a:t>承認者関連件数表示</a:t>
             </a:r>
           </a:p>
         </p:txBody>
